--- a/static/img/images_classes.pptx
+++ b/static/img/images_classes.pptx
@@ -7,6 +7,8 @@
   <p:sldIdLst>
     <p:sldId id="256" r:id="rId2"/>
     <p:sldId id="257" r:id="rId3"/>
+    <p:sldId id="258" r:id="rId4"/>
+    <p:sldId id="259" r:id="rId5"/>
   </p:sldIdLst>
   <p:sldSz cx="12192000" cy="6858000"/>
   <p:notesSz cx="6858000" cy="9144000"/>
@@ -262,7 +264,7 @@
           <a:p>
             <a:fld id="{1BA0FFC9-3E20-43B6-BE08-5B1F5118BCF6}" type="datetimeFigureOut">
               <a:rPr lang="en-SG" smtClean="0"/>
-              <a:t>17/4/2019</a:t>
+              <a:t>6/5/2019</a:t>
             </a:fld>
             <a:endParaRPr lang="en-SG"/>
           </a:p>
@@ -462,7 +464,7 @@
           <a:p>
             <a:fld id="{1BA0FFC9-3E20-43B6-BE08-5B1F5118BCF6}" type="datetimeFigureOut">
               <a:rPr lang="en-SG" smtClean="0"/>
-              <a:t>17/4/2019</a:t>
+              <a:t>6/5/2019</a:t>
             </a:fld>
             <a:endParaRPr lang="en-SG"/>
           </a:p>
@@ -672,7 +674,7 @@
           <a:p>
             <a:fld id="{1BA0FFC9-3E20-43B6-BE08-5B1F5118BCF6}" type="datetimeFigureOut">
               <a:rPr lang="en-SG" smtClean="0"/>
-              <a:t>17/4/2019</a:t>
+              <a:t>6/5/2019</a:t>
             </a:fld>
             <a:endParaRPr lang="en-SG"/>
           </a:p>
@@ -872,7 +874,7 @@
           <a:p>
             <a:fld id="{1BA0FFC9-3E20-43B6-BE08-5B1F5118BCF6}" type="datetimeFigureOut">
               <a:rPr lang="en-SG" smtClean="0"/>
-              <a:t>17/4/2019</a:t>
+              <a:t>6/5/2019</a:t>
             </a:fld>
             <a:endParaRPr lang="en-SG"/>
           </a:p>
@@ -1148,7 +1150,7 @@
           <a:p>
             <a:fld id="{1BA0FFC9-3E20-43B6-BE08-5B1F5118BCF6}" type="datetimeFigureOut">
               <a:rPr lang="en-SG" smtClean="0"/>
-              <a:t>17/4/2019</a:t>
+              <a:t>6/5/2019</a:t>
             </a:fld>
             <a:endParaRPr lang="en-SG"/>
           </a:p>
@@ -1416,7 +1418,7 @@
           <a:p>
             <a:fld id="{1BA0FFC9-3E20-43B6-BE08-5B1F5118BCF6}" type="datetimeFigureOut">
               <a:rPr lang="en-SG" smtClean="0"/>
-              <a:t>17/4/2019</a:t>
+              <a:t>6/5/2019</a:t>
             </a:fld>
             <a:endParaRPr lang="en-SG"/>
           </a:p>
@@ -1831,7 +1833,7 @@
           <a:p>
             <a:fld id="{1BA0FFC9-3E20-43B6-BE08-5B1F5118BCF6}" type="datetimeFigureOut">
               <a:rPr lang="en-SG" smtClean="0"/>
-              <a:t>17/4/2019</a:t>
+              <a:t>6/5/2019</a:t>
             </a:fld>
             <a:endParaRPr lang="en-SG"/>
           </a:p>
@@ -1973,7 +1975,7 @@
           <a:p>
             <a:fld id="{1BA0FFC9-3E20-43B6-BE08-5B1F5118BCF6}" type="datetimeFigureOut">
               <a:rPr lang="en-SG" smtClean="0"/>
-              <a:t>17/4/2019</a:t>
+              <a:t>6/5/2019</a:t>
             </a:fld>
             <a:endParaRPr lang="en-SG"/>
           </a:p>
@@ -2086,7 +2088,7 @@
           <a:p>
             <a:fld id="{1BA0FFC9-3E20-43B6-BE08-5B1F5118BCF6}" type="datetimeFigureOut">
               <a:rPr lang="en-SG" smtClean="0"/>
-              <a:t>17/4/2019</a:t>
+              <a:t>6/5/2019</a:t>
             </a:fld>
             <a:endParaRPr lang="en-SG"/>
           </a:p>
@@ -2399,7 +2401,7 @@
           <a:p>
             <a:fld id="{1BA0FFC9-3E20-43B6-BE08-5B1F5118BCF6}" type="datetimeFigureOut">
               <a:rPr lang="en-SG" smtClean="0"/>
-              <a:t>17/4/2019</a:t>
+              <a:t>6/5/2019</a:t>
             </a:fld>
             <a:endParaRPr lang="en-SG"/>
           </a:p>
@@ -2688,7 +2690,7 @@
           <a:p>
             <a:fld id="{1BA0FFC9-3E20-43B6-BE08-5B1F5118BCF6}" type="datetimeFigureOut">
               <a:rPr lang="en-SG" smtClean="0"/>
-              <a:t>17/4/2019</a:t>
+              <a:t>6/5/2019</a:t>
             </a:fld>
             <a:endParaRPr lang="en-SG"/>
           </a:p>
@@ -2931,7 +2933,7 @@
           <a:p>
             <a:fld id="{1BA0FFC9-3E20-43B6-BE08-5B1F5118BCF6}" type="datetimeFigureOut">
               <a:rPr lang="en-SG" smtClean="0"/>
-              <a:t>17/4/2019</a:t>
+              <a:t>6/5/2019</a:t>
             </a:fld>
             <a:endParaRPr lang="en-SG"/>
           </a:p>
@@ -3911,6 +3913,539 @@
 </p:sld>
 </file>
 
+<file path=ppt/slides/slide3.xml><?xml version="1.0" encoding="utf-8"?>
+<p:sld xmlns:a="http://schemas.openxmlformats.org/drawingml/2006/main" xmlns:r="http://schemas.openxmlformats.org/officeDocument/2006/relationships" xmlns:p="http://schemas.openxmlformats.org/presentationml/2006/main">
+  <p:cSld>
+    <p:spTree>
+      <p:nvGrpSpPr>
+        <p:cNvPr id="1" name=""/>
+        <p:cNvGrpSpPr/>
+        <p:nvPr/>
+      </p:nvGrpSpPr>
+      <p:grpSpPr>
+        <a:xfrm>
+          <a:off x="0" y="0"/>
+          <a:ext cx="0" cy="0"/>
+          <a:chOff x="0" y="0"/>
+          <a:chExt cx="0" cy="0"/>
+        </a:xfrm>
+      </p:grpSpPr>
+      <p:grpSp>
+        <p:nvGrpSpPr>
+          <p:cNvPr id="9" name="Group 8">
+            <a:extLst>
+              <a:ext uri="{FF2B5EF4-FFF2-40B4-BE49-F238E27FC236}">
+                <a16:creationId xmlns:a16="http://schemas.microsoft.com/office/drawing/2014/main" id="{B1D174A1-7C28-4B48-AA9E-CF513484B461}"/>
+              </a:ext>
+            </a:extLst>
+          </p:cNvPr>
+          <p:cNvGrpSpPr/>
+          <p:nvPr/>
+        </p:nvGrpSpPr>
+        <p:grpSpPr>
+          <a:xfrm>
+            <a:off x="2286000" y="771525"/>
+            <a:ext cx="7620000" cy="5894070"/>
+            <a:chOff x="2286000" y="771525"/>
+            <a:chExt cx="7620000" cy="5894070"/>
+          </a:xfrm>
+        </p:grpSpPr>
+        <p:pic>
+          <p:nvPicPr>
+            <p:cNvPr id="5" name="Picture 4">
+              <a:extLst>
+                <a:ext uri="{FF2B5EF4-FFF2-40B4-BE49-F238E27FC236}">
+                  <a16:creationId xmlns:a16="http://schemas.microsoft.com/office/drawing/2014/main" id="{357738F6-E0FF-41D6-B17C-7190BA2D76EE}"/>
+                </a:ext>
+              </a:extLst>
+            </p:cNvPr>
+            <p:cNvPicPr>
+              <a:picLocks noChangeAspect="1"/>
+            </p:cNvPicPr>
+            <p:nvPr/>
+          </p:nvPicPr>
+          <p:blipFill>
+            <a:blip r:embed="rId2">
+              <a:extLst>
+                <a:ext uri="{28A0092B-C50C-407E-A947-70E740481C1C}">
+                  <a14:useLocalDpi xmlns:a14="http://schemas.microsoft.com/office/drawing/2010/main" val="0"/>
+                </a:ext>
+              </a:extLst>
+            </a:blip>
+            <a:stretch>
+              <a:fillRect/>
+            </a:stretch>
+          </p:blipFill>
+          <p:spPr>
+            <a:xfrm>
+              <a:off x="2286000" y="771525"/>
+              <a:ext cx="7620000" cy="3333750"/>
+            </a:xfrm>
+            <a:prstGeom prst="rect">
+              <a:avLst/>
+            </a:prstGeom>
+          </p:spPr>
+        </p:pic>
+        <p:sp>
+          <p:nvSpPr>
+            <p:cNvPr id="6" name="Rectangle 5">
+              <a:extLst>
+                <a:ext uri="{FF2B5EF4-FFF2-40B4-BE49-F238E27FC236}">
+                  <a16:creationId xmlns:a16="http://schemas.microsoft.com/office/drawing/2014/main" id="{96182A3E-6885-4E5D-925D-9A87B7C12209}"/>
+                </a:ext>
+              </a:extLst>
+            </p:cNvPr>
+            <p:cNvSpPr/>
+            <p:nvPr/>
+          </p:nvSpPr>
+          <p:spPr>
+            <a:xfrm>
+              <a:off x="2286000" y="4105275"/>
+              <a:ext cx="7620000" cy="2560320"/>
+            </a:xfrm>
+            <a:prstGeom prst="rect">
+              <a:avLst/>
+            </a:prstGeom>
+            <a:solidFill>
+              <a:srgbClr val="3082CB"/>
+            </a:solidFill>
+            <a:ln>
+              <a:noFill/>
+            </a:ln>
+          </p:spPr>
+          <p:style>
+            <a:lnRef idx="2">
+              <a:schemeClr val="accent1">
+                <a:shade val="50000"/>
+              </a:schemeClr>
+            </a:lnRef>
+            <a:fillRef idx="1">
+              <a:schemeClr val="accent1"/>
+            </a:fillRef>
+            <a:effectRef idx="0">
+              <a:schemeClr val="accent1"/>
+            </a:effectRef>
+            <a:fontRef idx="minor">
+              <a:schemeClr val="lt1"/>
+            </a:fontRef>
+          </p:style>
+          <p:txBody>
+            <a:bodyPr rtlCol="0" anchor="ctr"/>
+            <a:lstStyle/>
+            <a:p>
+              <a:pPr algn="ctr"/>
+              <a:endParaRPr lang="en-SG"/>
+            </a:p>
+          </p:txBody>
+        </p:sp>
+        <p:sp>
+          <p:nvSpPr>
+            <p:cNvPr id="7" name="TextBox 6">
+              <a:extLst>
+                <a:ext uri="{FF2B5EF4-FFF2-40B4-BE49-F238E27FC236}">
+                  <a16:creationId xmlns:a16="http://schemas.microsoft.com/office/drawing/2014/main" id="{E085DF6B-68E7-4901-9E38-2B51AE5BACEA}"/>
+                </a:ext>
+              </a:extLst>
+            </p:cNvPr>
+            <p:cNvSpPr txBox="1"/>
+            <p:nvPr/>
+          </p:nvSpPr>
+          <p:spPr>
+            <a:xfrm>
+              <a:off x="2603164" y="3709035"/>
+              <a:ext cx="6754196" cy="1200329"/>
+            </a:xfrm>
+            <a:prstGeom prst="rect">
+              <a:avLst/>
+            </a:prstGeom>
+            <a:solidFill>
+              <a:srgbClr val="3082CB"/>
+            </a:solidFill>
+          </p:spPr>
+          <p:txBody>
+            <a:bodyPr wrap="square" rtlCol="0">
+              <a:spAutoFit/>
+            </a:bodyPr>
+            <a:lstStyle/>
+            <a:p>
+              <a:r>
+                <a:rPr lang="en-SG" sz="3600" dirty="0">
+                  <a:solidFill>
+                    <a:schemeClr val="bg1"/>
+                  </a:solidFill>
+                  <a:latin typeface="Britannic Bold" panose="020B0903060703020204" pitchFamily="34" charset="0"/>
+                </a:rPr>
+                <a:t>“R” You Ready?: </a:t>
+              </a:r>
+            </a:p>
+            <a:p>
+              <a:r>
+                <a:rPr lang="en-SG" sz="3600" dirty="0">
+                  <a:solidFill>
+                    <a:schemeClr val="bg1"/>
+                  </a:solidFill>
+                  <a:latin typeface="Britannic Bold" panose="020B0903060703020204" pitchFamily="34" charset="0"/>
+                </a:rPr>
+                <a:t>Introduction to R Programming</a:t>
+              </a:r>
+            </a:p>
+          </p:txBody>
+        </p:sp>
+        <p:sp>
+          <p:nvSpPr>
+            <p:cNvPr id="8" name="TextBox 7">
+              <a:extLst>
+                <a:ext uri="{FF2B5EF4-FFF2-40B4-BE49-F238E27FC236}">
+                  <a16:creationId xmlns:a16="http://schemas.microsoft.com/office/drawing/2014/main" id="{699FBC30-A9B4-4661-AA87-3E2C67706070}"/>
+                </a:ext>
+              </a:extLst>
+            </p:cNvPr>
+            <p:cNvSpPr txBox="1"/>
+            <p:nvPr/>
+          </p:nvSpPr>
+          <p:spPr>
+            <a:xfrm>
+              <a:off x="2603164" y="5061764"/>
+              <a:ext cx="1542116" cy="577081"/>
+            </a:xfrm>
+            <a:prstGeom prst="rect">
+              <a:avLst/>
+            </a:prstGeom>
+            <a:solidFill>
+              <a:srgbClr val="3082CB"/>
+            </a:solidFill>
+          </p:spPr>
+          <p:txBody>
+            <a:bodyPr wrap="square" rtlCol="0">
+              <a:spAutoFit/>
+            </a:bodyPr>
+            <a:lstStyle/>
+            <a:p>
+              <a:r>
+                <a:rPr lang="en-SG" sz="1050" dirty="0">
+                  <a:solidFill>
+                    <a:schemeClr val="bg1"/>
+                  </a:solidFill>
+                  <a:latin typeface="Arial Rounded MT Bold" panose="020F0704030504030204" pitchFamily="34" charset="0"/>
+                  <a:cs typeface="Arial" panose="020B0604020202020204" pitchFamily="34" charset="0"/>
+                </a:rPr>
+                <a:t>MAY 11, 2019</a:t>
+              </a:r>
+            </a:p>
+            <a:p>
+              <a:r>
+                <a:rPr lang="en-SG" sz="1050" dirty="0">
+                  <a:solidFill>
+                    <a:schemeClr val="bg1"/>
+                  </a:solidFill>
+                  <a:latin typeface="Arial Rounded MT Bold" panose="020F0704030504030204" pitchFamily="34" charset="0"/>
+                  <a:cs typeface="Arial" panose="020B0604020202020204" pitchFamily="34" charset="0"/>
+                </a:rPr>
+                <a:t>12:30 PM – 5:30 PM</a:t>
+              </a:r>
+            </a:p>
+            <a:p>
+              <a:r>
+                <a:rPr lang="en-SG" sz="1050" dirty="0">
+                  <a:solidFill>
+                    <a:schemeClr val="bg1"/>
+                  </a:solidFill>
+                  <a:latin typeface="Arial Rounded MT Bold" panose="020F0704030504030204" pitchFamily="34" charset="0"/>
+                  <a:cs typeface="Arial" panose="020B0604020202020204" pitchFamily="34" charset="0"/>
+                </a:rPr>
+                <a:t>UTOWN</a:t>
+              </a:r>
+            </a:p>
+          </p:txBody>
+        </p:sp>
+      </p:grpSp>
+    </p:spTree>
+    <p:extLst>
+      <p:ext uri="{BB962C8B-B14F-4D97-AF65-F5344CB8AC3E}">
+        <p14:creationId xmlns:p14="http://schemas.microsoft.com/office/powerpoint/2010/main" val="1595241974"/>
+      </p:ext>
+    </p:extLst>
+  </p:cSld>
+  <p:clrMapOvr>
+    <a:masterClrMapping/>
+  </p:clrMapOvr>
+</p:sld>
+</file>
+
+<file path=ppt/slides/slide4.xml><?xml version="1.0" encoding="utf-8"?>
+<p:sld xmlns:a="http://schemas.openxmlformats.org/drawingml/2006/main" xmlns:r="http://schemas.openxmlformats.org/officeDocument/2006/relationships" xmlns:p="http://schemas.openxmlformats.org/presentationml/2006/main">
+  <p:cSld>
+    <p:spTree>
+      <p:nvGrpSpPr>
+        <p:cNvPr id="1" name=""/>
+        <p:cNvGrpSpPr/>
+        <p:nvPr/>
+      </p:nvGrpSpPr>
+      <p:grpSpPr>
+        <a:xfrm>
+          <a:off x="0" y="0"/>
+          <a:ext cx="0" cy="0"/>
+          <a:chOff x="0" y="0"/>
+          <a:chExt cx="0" cy="0"/>
+        </a:xfrm>
+      </p:grpSpPr>
+      <p:grpSp>
+        <p:nvGrpSpPr>
+          <p:cNvPr id="9" name="Group 8">
+            <a:extLst>
+              <a:ext uri="{FF2B5EF4-FFF2-40B4-BE49-F238E27FC236}">
+                <a16:creationId xmlns:a16="http://schemas.microsoft.com/office/drawing/2014/main" id="{B1D174A1-7C28-4B48-AA9E-CF513484B461}"/>
+              </a:ext>
+            </a:extLst>
+          </p:cNvPr>
+          <p:cNvGrpSpPr/>
+          <p:nvPr/>
+        </p:nvGrpSpPr>
+        <p:grpSpPr>
+          <a:xfrm>
+            <a:off x="2286000" y="771525"/>
+            <a:ext cx="7620000" cy="5894070"/>
+            <a:chOff x="2286000" y="771525"/>
+            <a:chExt cx="7620000" cy="5894070"/>
+          </a:xfrm>
+        </p:grpSpPr>
+        <p:pic>
+          <p:nvPicPr>
+            <p:cNvPr id="5" name="Picture 4">
+              <a:extLst>
+                <a:ext uri="{FF2B5EF4-FFF2-40B4-BE49-F238E27FC236}">
+                  <a16:creationId xmlns:a16="http://schemas.microsoft.com/office/drawing/2014/main" id="{357738F6-E0FF-41D6-B17C-7190BA2D76EE}"/>
+                </a:ext>
+              </a:extLst>
+            </p:cNvPr>
+            <p:cNvPicPr>
+              <a:picLocks noChangeAspect="1"/>
+            </p:cNvPicPr>
+            <p:nvPr/>
+          </p:nvPicPr>
+          <p:blipFill>
+            <a:blip r:embed="rId2">
+              <a:extLst>
+                <a:ext uri="{28A0092B-C50C-407E-A947-70E740481C1C}">
+                  <a14:useLocalDpi xmlns:a14="http://schemas.microsoft.com/office/drawing/2010/main" val="0"/>
+                </a:ext>
+              </a:extLst>
+            </a:blip>
+            <a:stretch>
+              <a:fillRect/>
+            </a:stretch>
+          </p:blipFill>
+          <p:spPr>
+            <a:xfrm>
+              <a:off x="2286000" y="771525"/>
+              <a:ext cx="7620000" cy="3333750"/>
+            </a:xfrm>
+            <a:prstGeom prst="rect">
+              <a:avLst/>
+            </a:prstGeom>
+          </p:spPr>
+        </p:pic>
+        <p:sp>
+          <p:nvSpPr>
+            <p:cNvPr id="6" name="Rectangle 5">
+              <a:extLst>
+                <a:ext uri="{FF2B5EF4-FFF2-40B4-BE49-F238E27FC236}">
+                  <a16:creationId xmlns:a16="http://schemas.microsoft.com/office/drawing/2014/main" id="{96182A3E-6885-4E5D-925D-9A87B7C12209}"/>
+                </a:ext>
+              </a:extLst>
+            </p:cNvPr>
+            <p:cNvSpPr/>
+            <p:nvPr/>
+          </p:nvSpPr>
+          <p:spPr>
+            <a:xfrm>
+              <a:off x="2286000" y="4105275"/>
+              <a:ext cx="7620000" cy="2560320"/>
+            </a:xfrm>
+            <a:prstGeom prst="rect">
+              <a:avLst/>
+            </a:prstGeom>
+            <a:solidFill>
+              <a:srgbClr val="3082CB"/>
+            </a:solidFill>
+            <a:ln>
+              <a:noFill/>
+            </a:ln>
+          </p:spPr>
+          <p:style>
+            <a:lnRef idx="2">
+              <a:schemeClr val="accent1">
+                <a:shade val="50000"/>
+              </a:schemeClr>
+            </a:lnRef>
+            <a:fillRef idx="1">
+              <a:schemeClr val="accent1"/>
+            </a:fillRef>
+            <a:effectRef idx="0">
+              <a:schemeClr val="accent1"/>
+            </a:effectRef>
+            <a:fontRef idx="minor">
+              <a:schemeClr val="lt1"/>
+            </a:fontRef>
+          </p:style>
+          <p:txBody>
+            <a:bodyPr rtlCol="0" anchor="ctr"/>
+            <a:lstStyle/>
+            <a:p>
+              <a:pPr algn="ctr"/>
+              <a:endParaRPr lang="en-SG"/>
+            </a:p>
+          </p:txBody>
+        </p:sp>
+        <p:sp>
+          <p:nvSpPr>
+            <p:cNvPr id="7" name="TextBox 6">
+              <a:extLst>
+                <a:ext uri="{FF2B5EF4-FFF2-40B4-BE49-F238E27FC236}">
+                  <a16:creationId xmlns:a16="http://schemas.microsoft.com/office/drawing/2014/main" id="{E085DF6B-68E7-4901-9E38-2B51AE5BACEA}"/>
+                </a:ext>
+              </a:extLst>
+            </p:cNvPr>
+            <p:cNvSpPr txBox="1"/>
+            <p:nvPr/>
+          </p:nvSpPr>
+          <p:spPr>
+            <a:xfrm>
+              <a:off x="2603164" y="3709035"/>
+              <a:ext cx="6754196" cy="1200329"/>
+            </a:xfrm>
+            <a:prstGeom prst="rect">
+              <a:avLst/>
+            </a:prstGeom>
+            <a:solidFill>
+              <a:srgbClr val="3082CB"/>
+            </a:solidFill>
+          </p:spPr>
+          <p:txBody>
+            <a:bodyPr wrap="square" rtlCol="0">
+              <a:spAutoFit/>
+            </a:bodyPr>
+            <a:lstStyle/>
+            <a:p>
+              <a:r>
+                <a:rPr lang="en-SG" sz="3600" dirty="0">
+                  <a:solidFill>
+                    <a:schemeClr val="bg1"/>
+                  </a:solidFill>
+                  <a:latin typeface="Britannic Bold" panose="020B0903060703020204" pitchFamily="34" charset="0"/>
+                </a:rPr>
+                <a:t>“R” You Ready?: </a:t>
+              </a:r>
+            </a:p>
+            <a:p>
+              <a:r>
+                <a:rPr lang="en-SG" sz="3600" dirty="0">
+                  <a:solidFill>
+                    <a:schemeClr val="bg1"/>
+                  </a:solidFill>
+                  <a:latin typeface="Britannic Bold" panose="020B0903060703020204" pitchFamily="34" charset="0"/>
+                </a:rPr>
+                <a:t>Introduction to </a:t>
+              </a:r>
+              <a:r>
+                <a:rPr lang="en-SG" sz="3600">
+                  <a:solidFill>
+                    <a:schemeClr val="bg1"/>
+                  </a:solidFill>
+                  <a:latin typeface="Britannic Bold" panose="020B0903060703020204" pitchFamily="34" charset="0"/>
+                </a:rPr>
+                <a:t>R Part II</a:t>
+              </a:r>
+              <a:endParaRPr lang="en-SG" sz="3600" dirty="0">
+                <a:solidFill>
+                  <a:schemeClr val="bg1"/>
+                </a:solidFill>
+                <a:latin typeface="Britannic Bold" panose="020B0903060703020204" pitchFamily="34" charset="0"/>
+              </a:endParaRPr>
+            </a:p>
+          </p:txBody>
+        </p:sp>
+        <p:sp>
+          <p:nvSpPr>
+            <p:cNvPr id="8" name="TextBox 7">
+              <a:extLst>
+                <a:ext uri="{FF2B5EF4-FFF2-40B4-BE49-F238E27FC236}">
+                  <a16:creationId xmlns:a16="http://schemas.microsoft.com/office/drawing/2014/main" id="{699FBC30-A9B4-4661-AA87-3E2C67706070}"/>
+                </a:ext>
+              </a:extLst>
+            </p:cNvPr>
+            <p:cNvSpPr txBox="1"/>
+            <p:nvPr/>
+          </p:nvSpPr>
+          <p:spPr>
+            <a:xfrm>
+              <a:off x="2603164" y="5061764"/>
+              <a:ext cx="1542116" cy="577081"/>
+            </a:xfrm>
+            <a:prstGeom prst="rect">
+              <a:avLst/>
+            </a:prstGeom>
+            <a:solidFill>
+              <a:srgbClr val="3082CB"/>
+            </a:solidFill>
+          </p:spPr>
+          <p:txBody>
+            <a:bodyPr wrap="square" rtlCol="0">
+              <a:spAutoFit/>
+            </a:bodyPr>
+            <a:lstStyle/>
+            <a:p>
+              <a:r>
+                <a:rPr lang="en-SG" sz="1050" dirty="0">
+                  <a:solidFill>
+                    <a:schemeClr val="bg1"/>
+                  </a:solidFill>
+                  <a:latin typeface="Arial Rounded MT Bold" panose="020F0704030504030204" pitchFamily="34" charset="0"/>
+                  <a:cs typeface="Arial" panose="020B0604020202020204" pitchFamily="34" charset="0"/>
+                </a:rPr>
+                <a:t>MAY 25, 2019</a:t>
+              </a:r>
+            </a:p>
+            <a:p>
+              <a:r>
+                <a:rPr lang="en-SG" sz="1050" dirty="0">
+                  <a:solidFill>
+                    <a:schemeClr val="bg1"/>
+                  </a:solidFill>
+                  <a:latin typeface="Arial Rounded MT Bold" panose="020F0704030504030204" pitchFamily="34" charset="0"/>
+                  <a:cs typeface="Arial" panose="020B0604020202020204" pitchFamily="34" charset="0"/>
+                </a:rPr>
+                <a:t>12:30 PM – 5:30 PM</a:t>
+              </a:r>
+            </a:p>
+            <a:p>
+              <a:r>
+                <a:rPr lang="en-SG" sz="1050" dirty="0">
+                  <a:solidFill>
+                    <a:schemeClr val="bg1"/>
+                  </a:solidFill>
+                  <a:latin typeface="Arial Rounded MT Bold" panose="020F0704030504030204" pitchFamily="34" charset="0"/>
+                  <a:cs typeface="Arial" panose="020B0604020202020204" pitchFamily="34" charset="0"/>
+                </a:rPr>
+                <a:t>UTOWN</a:t>
+              </a:r>
+            </a:p>
+          </p:txBody>
+        </p:sp>
+      </p:grpSp>
+    </p:spTree>
+    <p:extLst>
+      <p:ext uri="{BB962C8B-B14F-4D97-AF65-F5344CB8AC3E}">
+        <p14:creationId xmlns:p14="http://schemas.microsoft.com/office/powerpoint/2010/main" val="1519030930"/>
+      </p:ext>
+    </p:extLst>
+  </p:cSld>
+  <p:clrMapOvr>
+    <a:masterClrMapping/>
+  </p:clrMapOvr>
+</p:sld>
+</file>
+
 <file path=ppt/theme/theme1.xml><?xml version="1.0" encoding="utf-8"?>
 <a:theme xmlns:a="http://schemas.openxmlformats.org/drawingml/2006/main" name="Office Theme">
   <a:themeElements>
